--- a/lectures/cshl/2014/RNASeq_Module2_Lecture.pptx
+++ b/lectures/cshl/2014/RNASeq_Module2_Lecture.pptx
@@ -15588,7 +15588,7 @@
         </p:spPr>
         <p:txBody>
           <a:bodyPr>
-            <a:normAutofit lnSpcReduction="10000"/>
+            <a:normAutofit fontScale="92500" lnSpcReduction="10000"/>
           </a:bodyPr>
           <a:lstStyle/>
           <a:p>
@@ -15597,7 +15597,25 @@
             </a:pPr>
             <a:r>
               <a:rPr lang="en-US" dirty="0"/>
-              <a:t>Module 1: Introduction to RNA sequencing</a:t>
+              <a:t>Module 0: Introduction to cloud </a:t>
+            </a:r>
+            <a:r>
+              <a:rPr lang="en-US" dirty="0" smtClean="0"/>
+              <a:t>computing</a:t>
+            </a:r>
+            <a:endParaRPr lang="en-US" dirty="0" smtClean="0"/>
+          </a:p>
+          <a:p>
+            <a:pPr>
+              <a:defRPr/>
+            </a:pPr>
+            <a:r>
+              <a:rPr lang="en-US" dirty="0" smtClean="0"/>
+              <a:t>Module </a:t>
+            </a:r>
+            <a:r>
+              <a:rPr lang="en-US" dirty="0"/>
+              <a:t>1: Introduction to RNA sequencing</a:t>
             </a:r>
           </a:p>
           <a:p>
